--- a/network-modeling-summer-school/notebooks/cross-validation/Model_Fitting_Dealing_With_Uncertainty.pptx
+++ b/network-modeling-summer-school/notebooks/cross-validation/Model_Fitting_Dealing_With_Uncertainty.pptx
@@ -19513,7 +19513,7 @@
             <a:tbl>
               <a:tblPr bandRow="1" firstRow="1">
                 <a:noFill/>
-                <a:tableStyleId>{6E064738-E9F1-4FFF-A9A7-231961E98DC6}</a:tableStyleId>
+                <a:tableStyleId>{A784A354-D9E3-495A-ADCC-CCC4445DDEA2}</a:tableStyleId>
               </a:tblPr>
               <a:tblGrid>
                 <a:gridCol w="1981200"/>
@@ -21034,7 +21034,7 @@
             <a:tbl>
               <a:tblPr bandRow="1" firstRow="1">
                 <a:noFill/>
-                <a:tableStyleId>{6E064738-E9F1-4FFF-A9A7-231961E98DC6}</a:tableStyleId>
+                <a:tableStyleId>{A784A354-D9E3-495A-ADCC-CCC4445DDEA2}</a:tableStyleId>
               </a:tblPr>
               <a:tblGrid>
                 <a:gridCol w="208275"/>
@@ -22050,7 +22050,7 @@
             <a:tbl>
               <a:tblPr bandRow="1" firstRow="1">
                 <a:noFill/>
-                <a:tableStyleId>{6E064738-E9F1-4FFF-A9A7-231961E98DC6}</a:tableStyleId>
+                <a:tableStyleId>{A784A354-D9E3-495A-ADCC-CCC4445DDEA2}</a:tableStyleId>
               </a:tblPr>
               <a:tblGrid>
                 <a:gridCol w="208275"/>
@@ -22557,7 +22557,7 @@
             <a:tbl>
               <a:tblPr bandRow="1" firstRow="1">
                 <a:noFill/>
-                <a:tableStyleId>{6E064738-E9F1-4FFF-A9A7-231961E98DC6}</a:tableStyleId>
+                <a:tableStyleId>{A784A354-D9E3-495A-ADCC-CCC4445DDEA2}</a:tableStyleId>
               </a:tblPr>
               <a:tblGrid>
                 <a:gridCol w="208275"/>
@@ -22896,7 +22896,7 @@
             <a:tbl>
               <a:tblPr bandRow="1" firstRow="1">
                 <a:noFill/>
-                <a:tableStyleId>{6E064738-E9F1-4FFF-A9A7-231961E98DC6}</a:tableStyleId>
+                <a:tableStyleId>{A784A354-D9E3-495A-ADCC-CCC4445DDEA2}</a:tableStyleId>
               </a:tblPr>
               <a:tblGrid>
                 <a:gridCol w="208275"/>
@@ -23403,7 +23403,7 @@
             <a:tbl>
               <a:tblPr bandRow="1" firstRow="1">
                 <a:noFill/>
-                <a:tableStyleId>{6E064738-E9F1-4FFF-A9A7-231961E98DC6}</a:tableStyleId>
+                <a:tableStyleId>{A784A354-D9E3-495A-ADCC-CCC4445DDEA2}</a:tableStyleId>
               </a:tblPr>
               <a:tblGrid>
                 <a:gridCol w="208275"/>
@@ -23742,7 +23742,7 @@
             <a:tbl>
               <a:tblPr bandRow="1" firstRow="1">
                 <a:noFill/>
-                <a:tableStyleId>{6E064738-E9F1-4FFF-A9A7-231961E98DC6}</a:tableStyleId>
+                <a:tableStyleId>{A784A354-D9E3-495A-ADCC-CCC4445DDEA2}</a:tableStyleId>
               </a:tblPr>
               <a:tblGrid>
                 <a:gridCol w="208275"/>
@@ -24249,7 +24249,7 @@
             <a:tbl>
               <a:tblPr bandRow="1" firstRow="1">
                 <a:noFill/>
-                <a:tableStyleId>{6E064738-E9F1-4FFF-A9A7-231961E98DC6}</a:tableStyleId>
+                <a:tableStyleId>{A784A354-D9E3-495A-ADCC-CCC4445DDEA2}</a:tableStyleId>
               </a:tblPr>
               <a:tblGrid>
                 <a:gridCol w="208275"/>
@@ -24674,7 +24674,7 @@
             <a:tbl>
               <a:tblPr bandRow="1" firstRow="1">
                 <a:noFill/>
-                <a:tableStyleId>{6E064738-E9F1-4FFF-A9A7-231961E98DC6}</a:tableStyleId>
+                <a:tableStyleId>{A784A354-D9E3-495A-ADCC-CCC4445DDEA2}</a:tableStyleId>
               </a:tblPr>
               <a:tblGrid>
                 <a:gridCol w="208275"/>
